--- a/S1_Starting_data_science_project.pptx
+++ b/S1_Starting_data_science_project.pptx
@@ -6279,6 +6279,21 @@
               <a:t>Group support for projects (zoom / office)</a:t>
             </a:r>
           </a:p>
+          <a:p>
+            <a:pPr lvl="0" indent="0" marL="0">
+              <a:buNone/>
+            </a:pPr>
+            <a:r>
+              <a:rPr/>
+              <a:t>All information here : </a:t>
+            </a:r>
+            <a:r>
+              <a:rPr>
+                <a:hlinkClick r:id="rId2"/>
+              </a:rPr>
+              <a:t>https://github.com/emilienschultz/pia-dataproject-2025</a:t>
+            </a:r>
+          </a:p>
         </p:txBody>
       </p:sp>
     </p:spTree>
@@ -7908,7 +7923,7 @@
             <a:pPr lvl="0"/>
             <a:r>
               <a:rPr/>
-              <a:t>Zotero, Figshare</a:t>
+              <a:t>Zenodo, Figshare</a:t>
             </a:r>
           </a:p>
         </p:txBody>
